--- a/HOUSING: PRICE PREDICTION/Housing Projects (1).pptx
+++ b/HOUSING: PRICE PREDICTION/Housing Projects (1).pptx
@@ -3596,13 +3596,30 @@
         </p:nvSpPr>
         <p:spPr/>
         <p:txBody>
-          <a:bodyPr/>
+          <a:bodyPr>
+            <a:normAutofit fontScale="90000"/>
+          </a:bodyPr>
           <a:lstStyle/>
           <a:p>
             <a:r>
-              <a:rPr lang="en-IN" dirty="0"/>
-              <a:t>HOUSING: PRICE PREDICTION</a:t>
-            </a:r>
+              <a:rPr lang="en-IN" sz="6000" dirty="0" smtClean="0"/>
+              <a:t>HOUSING</a:t>
+            </a:r>
+            <a:r>
+              <a:rPr lang="en-IN" sz="6000" dirty="0"/>
+              <a:t> </a:t>
+            </a:r>
+            <a:r>
+              <a:rPr lang="en-IN" sz="6000" dirty="0" smtClean="0"/>
+              <a:t>PROJECT</a:t>
+            </a:r>
+            <a:r>
+              <a:rPr lang="en-IN" dirty="0" smtClean="0"/>
+              <a:t/>
+            </a:r>
+            <a:br>
+              <a:rPr lang="en-IN" dirty="0" smtClean="0"/>
+            </a:br>
             <a:r>
               <a:rPr lang="en-US" dirty="0"/>
               <a:t/>
